--- a/WARP/PnP_PowerPointReport_Template - DevOps.pptx
+++ b/WARP/PnP_PowerPointReport_Template - DevOps.pptx
@@ -1338,16 +1338,32 @@
   <pc:docChgLst>
     <pc:chgData name="Daniel Stocker (HE/THEY)" userId="8873ffaa-5dbe-48d6-a3d1-d1854d40e6c3" providerId="ADAL" clId="{3790B8DF-596F-4395-95F8-A26547AB498B}"/>
     <pc:docChg chg="undo custSel modSld">
-      <pc:chgData name="Daniel Stocker (HE/THEY)" userId="8873ffaa-5dbe-48d6-a3d1-d1854d40e6c3" providerId="ADAL" clId="{3790B8DF-596F-4395-95F8-A26547AB498B}" dt="2024-01-13T02:47:35.173" v="47" actId="478"/>
+      <pc:chgData name="Daniel Stocker (HE/THEY)" userId="8873ffaa-5dbe-48d6-a3d1-d1854d40e6c3" providerId="ADAL" clId="{3790B8DF-596F-4395-95F8-A26547AB498B}" dt="2024-01-13T03:05:00.872" v="62" actId="1076"/>
       <pc:docMkLst>
         <pc:docMk/>
       </pc:docMkLst>
       <pc:sldChg chg="addSp delSp modSp mod">
-        <pc:chgData name="Daniel Stocker (HE/THEY)" userId="8873ffaa-5dbe-48d6-a3d1-d1854d40e6c3" providerId="ADAL" clId="{3790B8DF-596F-4395-95F8-A26547AB498B}" dt="2024-01-13T02:46:57.595" v="37" actId="21"/>
+        <pc:chgData name="Daniel Stocker (HE/THEY)" userId="8873ffaa-5dbe-48d6-a3d1-d1854d40e6c3" providerId="ADAL" clId="{3790B8DF-596F-4395-95F8-A26547AB498B}" dt="2024-01-13T03:05:00.872" v="62" actId="1076"/>
         <pc:sldMkLst>
           <pc:docMk/>
           <pc:sldMk cId="2784242039" sldId="260"/>
         </pc:sldMkLst>
+        <pc:spChg chg="mod">
+          <ac:chgData name="Daniel Stocker (HE/THEY)" userId="8873ffaa-5dbe-48d6-a3d1-d1854d40e6c3" providerId="ADAL" clId="{3790B8DF-596F-4395-95F8-A26547AB498B}" dt="2024-01-13T03:04:28.987" v="53" actId="242"/>
+          <ac:spMkLst>
+            <pc:docMk/>
+            <pc:sldMk cId="2784242039" sldId="260"/>
+            <ac:spMk id="3" creationId="{02A2312C-B6C0-45C8-BA07-32B020802FF8}"/>
+          </ac:spMkLst>
+        </pc:spChg>
+        <pc:spChg chg="mod">
+          <ac:chgData name="Daniel Stocker (HE/THEY)" userId="8873ffaa-5dbe-48d6-a3d1-d1854d40e6c3" providerId="ADAL" clId="{3790B8DF-596F-4395-95F8-A26547AB498B}" dt="2024-01-13T03:04:56.544" v="61" actId="1076"/>
+          <ac:spMkLst>
+            <pc:docMk/>
+            <pc:sldMk cId="2784242039" sldId="260"/>
+            <ac:spMk id="5" creationId="{449B3142-8E14-463C-9568-B853FC4E00D8}"/>
+          </ac:spMkLst>
+        </pc:spChg>
         <pc:spChg chg="add del mod ord">
           <ac:chgData name="Daniel Stocker (HE/THEY)" userId="8873ffaa-5dbe-48d6-a3d1-d1854d40e6c3" providerId="ADAL" clId="{3790B8DF-596F-4395-95F8-A26547AB498B}" dt="2024-01-13T02:46:57.595" v="37" actId="21"/>
           <ac:spMkLst>
@@ -1380,13 +1396,141 @@
             <ac:spMk id="9" creationId="{03055892-809B-4369-8DC3-837607F92822}"/>
           </ac:spMkLst>
         </pc:spChg>
+        <pc:spChg chg="mod">
+          <ac:chgData name="Daniel Stocker (HE/THEY)" userId="8873ffaa-5dbe-48d6-a3d1-d1854d40e6c3" providerId="ADAL" clId="{3790B8DF-596F-4395-95F8-A26547AB498B}" dt="2024-01-13T03:04:28.987" v="53" actId="242"/>
+          <ac:spMkLst>
+            <pc:docMk/>
+            <pc:sldMk cId="2784242039" sldId="260"/>
+            <ac:spMk id="12" creationId="{BF878C93-8775-4329-AC41-FB6E5F1F9E5D}"/>
+          </ac:spMkLst>
+        </pc:spChg>
+        <pc:spChg chg="mod">
+          <ac:chgData name="Daniel Stocker (HE/THEY)" userId="8873ffaa-5dbe-48d6-a3d1-d1854d40e6c3" providerId="ADAL" clId="{3790B8DF-596F-4395-95F8-A26547AB498B}" dt="2024-01-13T03:05:00.872" v="62" actId="1076"/>
+          <ac:spMkLst>
+            <pc:docMk/>
+            <pc:sldMk cId="2784242039" sldId="260"/>
+            <ac:spMk id="13" creationId="{DEACA864-3795-4B65-93F0-66CF1A79BB5F}"/>
+          </ac:spMkLst>
+        </pc:spChg>
+        <pc:spChg chg="mod">
+          <ac:chgData name="Daniel Stocker (HE/THEY)" userId="8873ffaa-5dbe-48d6-a3d1-d1854d40e6c3" providerId="ADAL" clId="{3790B8DF-596F-4395-95F8-A26547AB498B}" dt="2024-01-13T03:04:28.987" v="53" actId="242"/>
+          <ac:spMkLst>
+            <pc:docMk/>
+            <pc:sldMk cId="2784242039" sldId="260"/>
+            <ac:spMk id="16" creationId="{8FAEC4C6-4999-49FA-9A20-D5286ACF228D}"/>
+          </ac:spMkLst>
+        </pc:spChg>
+        <pc:spChg chg="mod">
+          <ac:chgData name="Daniel Stocker (HE/THEY)" userId="8873ffaa-5dbe-48d6-a3d1-d1854d40e6c3" providerId="ADAL" clId="{3790B8DF-596F-4395-95F8-A26547AB498B}" dt="2024-01-13T03:04:32.369" v="54" actId="1076"/>
+          <ac:spMkLst>
+            <pc:docMk/>
+            <pc:sldMk cId="2784242039" sldId="260"/>
+            <ac:spMk id="18" creationId="{534C3077-CDBF-4AF7-9BDC-213801286609}"/>
+          </ac:spMkLst>
+        </pc:spChg>
+        <pc:spChg chg="mod">
+          <ac:chgData name="Daniel Stocker (HE/THEY)" userId="8873ffaa-5dbe-48d6-a3d1-d1854d40e6c3" providerId="ADAL" clId="{3790B8DF-596F-4395-95F8-A26547AB498B}" dt="2024-01-13T03:04:28.987" v="53" actId="242"/>
+          <ac:spMkLst>
+            <pc:docMk/>
+            <pc:sldMk cId="2784242039" sldId="260"/>
+            <ac:spMk id="22" creationId="{26EC3D75-A7AA-419E-954A-541DBD940CE3}"/>
+          </ac:spMkLst>
+        </pc:spChg>
+        <pc:spChg chg="mod">
+          <ac:chgData name="Daniel Stocker (HE/THEY)" userId="8873ffaa-5dbe-48d6-a3d1-d1854d40e6c3" providerId="ADAL" clId="{3790B8DF-596F-4395-95F8-A26547AB498B}" dt="2024-01-13T03:04:34.044" v="55" actId="1076"/>
+          <ac:spMkLst>
+            <pc:docMk/>
+            <pc:sldMk cId="2784242039" sldId="260"/>
+            <ac:spMk id="25" creationId="{92D996AE-5E09-476E-81FB-22FA58980C80}"/>
+          </ac:spMkLst>
+        </pc:spChg>
+        <pc:spChg chg="mod">
+          <ac:chgData name="Daniel Stocker (HE/THEY)" userId="8873ffaa-5dbe-48d6-a3d1-d1854d40e6c3" providerId="ADAL" clId="{3790B8DF-596F-4395-95F8-A26547AB498B}" dt="2024-01-13T03:04:28.987" v="53" actId="242"/>
+          <ac:spMkLst>
+            <pc:docMk/>
+            <pc:sldMk cId="2784242039" sldId="260"/>
+            <ac:spMk id="41" creationId="{5F718C7C-8E6C-4F1F-880F-BE556A2A4FA1}"/>
+          </ac:spMkLst>
+        </pc:spChg>
+        <pc:spChg chg="mod">
+          <ac:chgData name="Daniel Stocker (HE/THEY)" userId="8873ffaa-5dbe-48d6-a3d1-d1854d40e6c3" providerId="ADAL" clId="{3790B8DF-596F-4395-95F8-A26547AB498B}" dt="2024-01-13T03:04:36.367" v="56" actId="1076"/>
+          <ac:spMkLst>
+            <pc:docMk/>
+            <pc:sldMk cId="2784242039" sldId="260"/>
+            <ac:spMk id="43" creationId="{9A0E3318-F6C4-42EA-8925-F6A87532565D}"/>
+          </ac:spMkLst>
+        </pc:spChg>
+        <pc:spChg chg="mod">
+          <ac:chgData name="Daniel Stocker (HE/THEY)" userId="8873ffaa-5dbe-48d6-a3d1-d1854d40e6c3" providerId="ADAL" clId="{3790B8DF-596F-4395-95F8-A26547AB498B}" dt="2024-01-13T03:04:28.987" v="53" actId="242"/>
+          <ac:spMkLst>
+            <pc:docMk/>
+            <pc:sldMk cId="2784242039" sldId="260"/>
+            <ac:spMk id="47" creationId="{97A63E6B-1073-45D8-81B7-6FB833A473A3}"/>
+          </ac:spMkLst>
+        </pc:spChg>
+        <pc:spChg chg="mod">
+          <ac:chgData name="Daniel Stocker (HE/THEY)" userId="8873ffaa-5dbe-48d6-a3d1-d1854d40e6c3" providerId="ADAL" clId="{3790B8DF-596F-4395-95F8-A26547AB498B}" dt="2024-01-13T03:04:43.384" v="57" actId="1076"/>
+          <ac:spMkLst>
+            <pc:docMk/>
+            <pc:sldMk cId="2784242039" sldId="260"/>
+            <ac:spMk id="49" creationId="{D8B9A33B-ADD7-4791-8FF2-6D7E50EF2C36}"/>
+          </ac:spMkLst>
+        </pc:spChg>
+        <pc:spChg chg="mod">
+          <ac:chgData name="Daniel Stocker (HE/THEY)" userId="8873ffaa-5dbe-48d6-a3d1-d1854d40e6c3" providerId="ADAL" clId="{3790B8DF-596F-4395-95F8-A26547AB498B}" dt="2024-01-13T03:04:28.987" v="53" actId="242"/>
+          <ac:spMkLst>
+            <pc:docMk/>
+            <pc:sldMk cId="2784242039" sldId="260"/>
+            <ac:spMk id="53" creationId="{DE4F2781-57BF-400E-9776-D0CB596ECA76}"/>
+          </ac:spMkLst>
+        </pc:spChg>
+        <pc:spChg chg="mod">
+          <ac:chgData name="Daniel Stocker (HE/THEY)" userId="8873ffaa-5dbe-48d6-a3d1-d1854d40e6c3" providerId="ADAL" clId="{3790B8DF-596F-4395-95F8-A26547AB498B}" dt="2024-01-13T03:04:45.982" v="58" actId="1076"/>
+          <ac:spMkLst>
+            <pc:docMk/>
+            <pc:sldMk cId="2784242039" sldId="260"/>
+            <ac:spMk id="55" creationId="{89E44410-8F83-483F-AF65-068A8FA9E76C}"/>
+          </ac:spMkLst>
+        </pc:spChg>
+        <pc:spChg chg="mod">
+          <ac:chgData name="Daniel Stocker (HE/THEY)" userId="8873ffaa-5dbe-48d6-a3d1-d1854d40e6c3" providerId="ADAL" clId="{3790B8DF-596F-4395-95F8-A26547AB498B}" dt="2024-01-13T03:04:28.987" v="53" actId="242"/>
+          <ac:spMkLst>
+            <pc:docMk/>
+            <pc:sldMk cId="2784242039" sldId="260"/>
+            <ac:spMk id="59" creationId="{91C29F1C-4489-4EBD-A4B7-A32D7A563807}"/>
+          </ac:spMkLst>
+        </pc:spChg>
+        <pc:spChg chg="mod">
+          <ac:chgData name="Daniel Stocker (HE/THEY)" userId="8873ffaa-5dbe-48d6-a3d1-d1854d40e6c3" providerId="ADAL" clId="{3790B8DF-596F-4395-95F8-A26547AB498B}" dt="2024-01-13T03:04:51.432" v="59" actId="1076"/>
+          <ac:spMkLst>
+            <pc:docMk/>
+            <pc:sldMk cId="2784242039" sldId="260"/>
+            <ac:spMk id="61" creationId="{89C2434E-16C4-48B5-AA76-0F387E7C12B5}"/>
+          </ac:spMkLst>
+        </pc:spChg>
       </pc:sldChg>
       <pc:sldChg chg="addSp delSp modSp mod">
-        <pc:chgData name="Daniel Stocker (HE/THEY)" userId="8873ffaa-5dbe-48d6-a3d1-d1854d40e6c3" providerId="ADAL" clId="{3790B8DF-596F-4395-95F8-A26547AB498B}" dt="2024-01-13T02:47:35.173" v="47" actId="478"/>
+        <pc:chgData name="Daniel Stocker (HE/THEY)" userId="8873ffaa-5dbe-48d6-a3d1-d1854d40e6c3" providerId="ADAL" clId="{3790B8DF-596F-4395-95F8-A26547AB498B}" dt="2024-01-13T03:04:02.789" v="48" actId="1076"/>
         <pc:sldMkLst>
           <pc:docMk/>
           <pc:sldMk cId="4120510816" sldId="273"/>
         </pc:sldMkLst>
+        <pc:spChg chg="mod">
+          <ac:chgData name="Daniel Stocker (HE/THEY)" userId="8873ffaa-5dbe-48d6-a3d1-d1854d40e6c3" providerId="ADAL" clId="{3790B8DF-596F-4395-95F8-A26547AB498B}" dt="2024-01-13T03:04:02.789" v="48" actId="1076"/>
+          <ac:spMkLst>
+            <pc:docMk/>
+            <pc:sldMk cId="4120510816" sldId="273"/>
+            <ac:spMk id="2" creationId="{592CADCD-60F2-4869-BD5E-6B1EFCA36D12}"/>
+          </ac:spMkLst>
+        </pc:spChg>
+        <pc:spChg chg="mod">
+          <ac:chgData name="Daniel Stocker (HE/THEY)" userId="8873ffaa-5dbe-48d6-a3d1-d1854d40e6c3" providerId="ADAL" clId="{3790B8DF-596F-4395-95F8-A26547AB498B}" dt="2024-01-13T03:04:02.789" v="48" actId="1076"/>
+          <ac:spMkLst>
+            <pc:docMk/>
+            <pc:sldMk cId="4120510816" sldId="273"/>
+            <ac:spMk id="3" creationId="{A2A08287-B0DD-4BC8-8447-8BC4E10D2E1C}"/>
+          </ac:spMkLst>
+        </pc:spChg>
         <pc:spChg chg="add del mod ord">
           <ac:chgData name="Daniel Stocker (HE/THEY)" userId="8873ffaa-5dbe-48d6-a3d1-d1854d40e6c3" providerId="ADAL" clId="{3790B8DF-596F-4395-95F8-A26547AB498B}" dt="2024-01-13T02:47:35.173" v="47" actId="478"/>
           <ac:spMkLst>
@@ -1420,6 +1564,14 @@
           </ac:spMkLst>
         </pc:spChg>
         <pc:spChg chg="mod">
+          <ac:chgData name="Daniel Stocker (HE/THEY)" userId="8873ffaa-5dbe-48d6-a3d1-d1854d40e6c3" providerId="ADAL" clId="{3790B8DF-596F-4395-95F8-A26547AB498B}" dt="2024-01-13T03:04:02.789" v="48" actId="1076"/>
+          <ac:spMkLst>
+            <pc:docMk/>
+            <pc:sldMk cId="4120510816" sldId="273"/>
+            <ac:spMk id="16" creationId="{9297CE32-1511-4B8A-BBB9-EDC68C2D4EC5}"/>
+          </ac:spMkLst>
+        </pc:spChg>
+        <pc:spChg chg="mod">
           <ac:chgData name="Daniel Stocker (HE/THEY)" userId="8873ffaa-5dbe-48d6-a3d1-d1854d40e6c3" providerId="ADAL" clId="{3790B8DF-596F-4395-95F8-A26547AB498B}" dt="2024-01-13T02:47:14.908" v="44" actId="14100"/>
           <ac:spMkLst>
             <pc:docMk/>
@@ -1427,6 +1579,22 @@
             <ac:spMk id="17" creationId="{B6192819-0A74-4FB6-828C-0681B504C31E}"/>
           </ac:spMkLst>
         </pc:spChg>
+        <pc:graphicFrameChg chg="mod">
+          <ac:chgData name="Daniel Stocker (HE/THEY)" userId="8873ffaa-5dbe-48d6-a3d1-d1854d40e6c3" providerId="ADAL" clId="{3790B8DF-596F-4395-95F8-A26547AB498B}" dt="2024-01-13T03:04:02.789" v="48" actId="1076"/>
+          <ac:graphicFrameMkLst>
+            <pc:docMk/>
+            <pc:sldMk cId="4120510816" sldId="273"/>
+            <ac:graphicFrameMk id="20" creationId="{DFD0D5D0-4BC5-4C00-9740-CA903D9969DD}"/>
+          </ac:graphicFrameMkLst>
+        </pc:graphicFrameChg>
+        <pc:cxnChg chg="mod">
+          <ac:chgData name="Daniel Stocker (HE/THEY)" userId="8873ffaa-5dbe-48d6-a3d1-d1854d40e6c3" providerId="ADAL" clId="{3790B8DF-596F-4395-95F8-A26547AB498B}" dt="2024-01-13T03:04:02.789" v="48" actId="1076"/>
+          <ac:cxnSpMkLst>
+            <pc:docMk/>
+            <pc:sldMk cId="4120510816" sldId="273"/>
+            <ac:cxnSpMk id="18" creationId="{28AA62ED-5C89-4E21-BEA3-D3CE68733D6D}"/>
+          </ac:cxnSpMkLst>
+        </pc:cxnChg>
       </pc:sldChg>
       <pc:sldChg chg="modSp mod">
         <pc:chgData name="Daniel Stocker (HE/THEY)" userId="8873ffaa-5dbe-48d6-a3d1-d1854d40e6c3" providerId="ADAL" clId="{3790B8DF-596F-4395-95F8-A26547AB498B}" dt="2024-01-13T02:45:40.495" v="23" actId="20577"/>
@@ -2043,7 +2211,7 @@
                 <a:tabLst/>
                 <a:defRPr/>
               </a:pPr>
-              <a:t>1/12/2024 6:45 PM</a:t>
+              <a:t>1/12/2024 7:03 PM</a:t>
             </a:fld>
             <a:endParaRPr kumimoji="0" lang="en-US" sz="1200" b="0" i="0" u="none" strike="noStrike" kern="1200" cap="none" spc="0" normalizeH="0" baseline="0" noProof="0">
               <a:ln>
@@ -2280,7 +2448,7 @@
           <a:p>
             <a:fld id="{386CE63F-9E7F-4C04-9D0D-FCA25A8E9E86}" type="datetime8">
               <a:rPr lang="en-US" smtClean="0"/>
-              <a:t>1/12/2024 6:45 PM</a:t>
+              <a:t>1/12/2024 7:03 PM</a:t>
             </a:fld>
             <a:endParaRPr lang="en-US"/>
           </a:p>
@@ -2430,7 +2598,7 @@
                   <a:prstClr val="black"/>
                 </a:solidFill>
               </a:rPr>
-              <a:t>1/12/2024 6:45 PM</a:t>
+              <a:t>1/12/2024 7:03 PM</a:t>
             </a:fld>
             <a:endParaRPr lang="en-US">
               <a:solidFill>
@@ -16928,7 +17096,7 @@
           <a:noFill/>
         </p:spPr>
         <p:txBody>
-          <a:bodyPr wrap="square" rtlCol="0">
+          <a:bodyPr wrap="square" rtlCol="0" anchor="ctr">
             <a:spAutoFit/>
           </a:bodyPr>
           <a:lstStyle/>
@@ -16957,8 +17125,8 @@
         </p:nvSpPr>
         <p:spPr>
           <a:xfrm>
-            <a:off x="6038856" y="2201381"/>
-            <a:ext cx="4765959" cy="369332"/>
+            <a:off x="6027943" y="2239091"/>
+            <a:ext cx="4765959" cy="307777"/>
           </a:xfrm>
           <a:prstGeom prst="rect">
             <a:avLst/>
@@ -16966,13 +17134,13 @@
           <a:noFill/>
         </p:spPr>
         <p:txBody>
-          <a:bodyPr wrap="square" rtlCol="0">
+          <a:bodyPr wrap="square" rtlCol="0" anchor="ctr">
             <a:spAutoFit/>
           </a:bodyPr>
           <a:lstStyle/>
           <a:p>
             <a:r>
-              <a:rPr lang="en-US" dirty="0">
+              <a:rPr lang="en-US" sz="1400" dirty="0">
                 <a:latin typeface="Segoe UI" panose="020B0502040204020203" pitchFamily="34" charset="0"/>
                 <a:cs typeface="Segoe UI" panose="020B0502040204020203" pitchFamily="34" charset="0"/>
               </a:rPr>
@@ -17039,7 +17207,7 @@
           <a:noFill/>
         </p:spPr>
         <p:txBody>
-          <a:bodyPr wrap="square" rtlCol="0">
+          <a:bodyPr wrap="square" rtlCol="0" anchor="ctr">
             <a:spAutoFit/>
           </a:bodyPr>
           <a:lstStyle/>
@@ -17068,8 +17236,8 @@
         </p:nvSpPr>
         <p:spPr>
           <a:xfrm>
-            <a:off x="6038856" y="2724570"/>
-            <a:ext cx="4765959" cy="369332"/>
+            <a:off x="6027943" y="2760162"/>
+            <a:ext cx="4765959" cy="307777"/>
           </a:xfrm>
           <a:prstGeom prst="rect">
             <a:avLst/>
@@ -17077,29 +17245,18 @@
           <a:noFill/>
         </p:spPr>
         <p:txBody>
-          <a:bodyPr wrap="square" rtlCol="0">
+          <a:bodyPr wrap="square" rtlCol="0" anchor="ctr">
             <a:spAutoFit/>
           </a:bodyPr>
           <a:lstStyle/>
           <a:p>
             <a:r>
-              <a:rPr lang="en-US" dirty="0">
+              <a:rPr lang="en-US" sz="1400" dirty="0">
                 <a:latin typeface="Segoe UI" panose="020B0502040204020203" pitchFamily="34" charset="0"/>
                 <a:cs typeface="Segoe UI" panose="020B0502040204020203" pitchFamily="34" charset="0"/>
               </a:rPr>
-              <a:t>[</a:t>
-            </a:r>
-            <a:r>
-              <a:rPr lang="en-US">
-                <a:latin typeface="Segoe UI" panose="020B0502040204020203" pitchFamily="34" charset="0"/>
-                <a:cs typeface="Segoe UI" panose="020B0502040204020203" pitchFamily="34" charset="0"/>
-              </a:rPr>
-              <a:t>Domain_2]</a:t>
-            </a:r>
-            <a:endParaRPr lang="en-US" dirty="0">
-              <a:latin typeface="Segoe UI" panose="020B0502040204020203" pitchFamily="34" charset="0"/>
-              <a:cs typeface="Segoe UI" panose="020B0502040204020203" pitchFamily="34" charset="0"/>
-            </a:endParaRPr>
+              <a:t>[Domain_2]</a:t>
+            </a:r>
           </a:p>
         </p:txBody>
       </p:sp>
@@ -17161,7 +17318,7 @@
           <a:noFill/>
         </p:spPr>
         <p:txBody>
-          <a:bodyPr wrap="square" rtlCol="0">
+          <a:bodyPr wrap="square" rtlCol="0" anchor="ctr">
             <a:spAutoFit/>
           </a:bodyPr>
           <a:lstStyle/>
@@ -17190,8 +17347,8 @@
         </p:nvSpPr>
         <p:spPr>
           <a:xfrm>
-            <a:off x="6038856" y="3241921"/>
-            <a:ext cx="4765959" cy="369332"/>
+            <a:off x="6027943" y="3288268"/>
+            <a:ext cx="4765959" cy="307777"/>
           </a:xfrm>
           <a:prstGeom prst="rect">
             <a:avLst/>
@@ -17199,13 +17356,13 @@
           <a:noFill/>
         </p:spPr>
         <p:txBody>
-          <a:bodyPr wrap="square" rtlCol="0">
+          <a:bodyPr wrap="square" rtlCol="0" anchor="ctr">
             <a:spAutoFit/>
           </a:bodyPr>
           <a:lstStyle/>
           <a:p>
             <a:r>
-              <a:rPr lang="en-US" dirty="0">
+              <a:rPr lang="en-US" sz="1400" dirty="0">
                 <a:latin typeface="Segoe UI" panose="020B0502040204020203" pitchFamily="34" charset="0"/>
                 <a:cs typeface="Segoe UI" panose="020B0502040204020203" pitchFamily="34" charset="0"/>
               </a:rPr>
@@ -17272,7 +17429,7 @@
           <a:noFill/>
         </p:spPr>
         <p:txBody>
-          <a:bodyPr wrap="square" rtlCol="0">
+          <a:bodyPr wrap="square" rtlCol="0" anchor="ctr">
             <a:spAutoFit/>
           </a:bodyPr>
           <a:lstStyle/>
@@ -17301,8 +17458,8 @@
         </p:nvSpPr>
         <p:spPr>
           <a:xfrm>
-            <a:off x="6038856" y="3760173"/>
-            <a:ext cx="4765959" cy="369332"/>
+            <a:off x="6027943" y="3815896"/>
+            <a:ext cx="4765959" cy="307777"/>
           </a:xfrm>
           <a:prstGeom prst="rect">
             <a:avLst/>
@@ -17310,13 +17467,13 @@
           <a:noFill/>
         </p:spPr>
         <p:txBody>
-          <a:bodyPr wrap="square" rtlCol="0">
+          <a:bodyPr wrap="square" rtlCol="0" anchor="ctr">
             <a:spAutoFit/>
           </a:bodyPr>
           <a:lstStyle/>
           <a:p>
             <a:r>
-              <a:rPr lang="en-US" dirty="0">
+              <a:rPr lang="en-US" sz="1400" dirty="0">
                 <a:latin typeface="Segoe UI" panose="020B0502040204020203" pitchFamily="34" charset="0"/>
                 <a:cs typeface="Segoe UI" panose="020B0502040204020203" pitchFamily="34" charset="0"/>
               </a:rPr>
@@ -17383,7 +17540,7 @@
           <a:noFill/>
         </p:spPr>
         <p:txBody>
-          <a:bodyPr wrap="square" rtlCol="0">
+          <a:bodyPr wrap="square" rtlCol="0" anchor="ctr">
             <a:spAutoFit/>
           </a:bodyPr>
           <a:lstStyle/>
@@ -17412,8 +17569,8 @@
         </p:nvSpPr>
         <p:spPr>
           <a:xfrm>
-            <a:off x="6038856" y="4276984"/>
-            <a:ext cx="4765959" cy="369332"/>
+            <a:off x="6027943" y="4332884"/>
+            <a:ext cx="4765959" cy="307777"/>
           </a:xfrm>
           <a:prstGeom prst="rect">
             <a:avLst/>
@@ -17421,13 +17578,13 @@
           <a:noFill/>
         </p:spPr>
         <p:txBody>
-          <a:bodyPr wrap="square" rtlCol="0">
+          <a:bodyPr wrap="square" rtlCol="0" anchor="ctr">
             <a:spAutoFit/>
           </a:bodyPr>
           <a:lstStyle/>
           <a:p>
             <a:r>
-              <a:rPr lang="en-US" dirty="0">
+              <a:rPr lang="en-US" sz="1400" dirty="0">
                 <a:latin typeface="Segoe UI" panose="020B0502040204020203" pitchFamily="34" charset="0"/>
                 <a:cs typeface="Segoe UI" panose="020B0502040204020203" pitchFamily="34" charset="0"/>
               </a:rPr>
@@ -17494,7 +17651,7 @@
           <a:noFill/>
         </p:spPr>
         <p:txBody>
-          <a:bodyPr wrap="square" rtlCol="0">
+          <a:bodyPr wrap="square" rtlCol="0" anchor="ctr">
             <a:spAutoFit/>
           </a:bodyPr>
           <a:lstStyle/>
@@ -17523,8 +17680,8 @@
         </p:nvSpPr>
         <p:spPr>
           <a:xfrm>
-            <a:off x="6038856" y="4820512"/>
-            <a:ext cx="4765959" cy="369332"/>
+            <a:off x="6027943" y="4857557"/>
+            <a:ext cx="4765959" cy="307777"/>
           </a:xfrm>
           <a:prstGeom prst="rect">
             <a:avLst/>
@@ -17532,29 +17689,18 @@
           <a:noFill/>
         </p:spPr>
         <p:txBody>
-          <a:bodyPr wrap="square" rtlCol="0">
+          <a:bodyPr wrap="square" rtlCol="0" anchor="ctr">
             <a:spAutoFit/>
           </a:bodyPr>
           <a:lstStyle/>
           <a:p>
             <a:r>
-              <a:rPr lang="en-US" dirty="0">
+              <a:rPr lang="en-US" sz="1400" dirty="0">
                 <a:latin typeface="Segoe UI" panose="020B0502040204020203" pitchFamily="34" charset="0"/>
                 <a:cs typeface="Segoe UI" panose="020B0502040204020203" pitchFamily="34" charset="0"/>
               </a:rPr>
-              <a:t>[</a:t>
-            </a:r>
-            <a:r>
-              <a:rPr lang="en-US">
-                <a:latin typeface="Segoe UI" panose="020B0502040204020203" pitchFamily="34" charset="0"/>
-                <a:cs typeface="Segoe UI" panose="020B0502040204020203" pitchFamily="34" charset="0"/>
-              </a:rPr>
-              <a:t>Domain_6]</a:t>
-            </a:r>
-            <a:endParaRPr lang="en-US" dirty="0">
-              <a:latin typeface="Segoe UI" panose="020B0502040204020203" pitchFamily="34" charset="0"/>
-              <a:cs typeface="Segoe UI" panose="020B0502040204020203" pitchFamily="34" charset="0"/>
-            </a:endParaRPr>
+              <a:t>[Domain_6]</a:t>
+            </a:r>
           </a:p>
         </p:txBody>
       </p:sp>
@@ -17616,7 +17762,7 @@
           <a:noFill/>
         </p:spPr>
         <p:txBody>
-          <a:bodyPr wrap="square" rtlCol="0">
+          <a:bodyPr wrap="square" rtlCol="0" anchor="ctr">
             <a:spAutoFit/>
           </a:bodyPr>
           <a:lstStyle/>
@@ -17645,8 +17791,8 @@
         </p:nvSpPr>
         <p:spPr>
           <a:xfrm>
-            <a:off x="6038856" y="5345185"/>
-            <a:ext cx="4765959" cy="369332"/>
+            <a:off x="6027943" y="5400636"/>
+            <a:ext cx="4765959" cy="307777"/>
           </a:xfrm>
           <a:prstGeom prst="rect">
             <a:avLst/>
@@ -17654,29 +17800,18 @@
           <a:noFill/>
         </p:spPr>
         <p:txBody>
-          <a:bodyPr wrap="square" rtlCol="0">
+          <a:bodyPr wrap="square" rtlCol="0" anchor="ctr">
             <a:spAutoFit/>
           </a:bodyPr>
           <a:lstStyle/>
           <a:p>
             <a:r>
-              <a:rPr lang="en-US" dirty="0">
+              <a:rPr lang="en-US" sz="1400" dirty="0">
                 <a:latin typeface="Segoe UI" panose="020B0502040204020203" pitchFamily="34" charset="0"/>
                 <a:cs typeface="Segoe UI" panose="020B0502040204020203" pitchFamily="34" charset="0"/>
               </a:rPr>
-              <a:t>[</a:t>
-            </a:r>
-            <a:r>
-              <a:rPr lang="en-US">
-                <a:latin typeface="Segoe UI" panose="020B0502040204020203" pitchFamily="34" charset="0"/>
-                <a:cs typeface="Segoe UI" panose="020B0502040204020203" pitchFamily="34" charset="0"/>
-              </a:rPr>
-              <a:t>Domain_7]</a:t>
-            </a:r>
-            <a:endParaRPr lang="en-US" dirty="0">
-              <a:latin typeface="Segoe UI" panose="020B0502040204020203" pitchFamily="34" charset="0"/>
-              <a:cs typeface="Segoe UI" panose="020B0502040204020203" pitchFamily="34" charset="0"/>
-            </a:endParaRPr>
+              <a:t>[Domain_7]</a:t>
+            </a:r>
           </a:p>
         </p:txBody>
       </p:sp>
@@ -17738,7 +17873,7 @@
           <a:noFill/>
         </p:spPr>
         <p:txBody>
-          <a:bodyPr wrap="square" rtlCol="0">
+          <a:bodyPr wrap="square" rtlCol="0" anchor="ctr">
             <a:spAutoFit/>
           </a:bodyPr>
           <a:lstStyle/>
@@ -17767,8 +17902,8 @@
         </p:nvSpPr>
         <p:spPr>
           <a:xfrm>
-            <a:off x="6038856" y="5815969"/>
-            <a:ext cx="4765959" cy="369332"/>
+            <a:off x="6027943" y="5874673"/>
+            <a:ext cx="4765959" cy="307777"/>
           </a:xfrm>
           <a:prstGeom prst="rect">
             <a:avLst/>
@@ -17776,29 +17911,18 @@
           <a:noFill/>
         </p:spPr>
         <p:txBody>
-          <a:bodyPr wrap="square" rtlCol="0">
+          <a:bodyPr wrap="square" rtlCol="0" anchor="ctr">
             <a:spAutoFit/>
           </a:bodyPr>
           <a:lstStyle/>
           <a:p>
             <a:r>
-              <a:rPr lang="en-US" dirty="0">
+              <a:rPr lang="en-US" sz="1400" dirty="0">
                 <a:latin typeface="Segoe UI" panose="020B0502040204020203" pitchFamily="34" charset="0"/>
                 <a:cs typeface="Segoe UI" panose="020B0502040204020203" pitchFamily="34" charset="0"/>
               </a:rPr>
-              <a:t>[</a:t>
-            </a:r>
-            <a:r>
-              <a:rPr lang="en-US">
-                <a:latin typeface="Segoe UI" panose="020B0502040204020203" pitchFamily="34" charset="0"/>
-                <a:cs typeface="Segoe UI" panose="020B0502040204020203" pitchFamily="34" charset="0"/>
-              </a:rPr>
-              <a:t>Domain_8]</a:t>
-            </a:r>
-            <a:endParaRPr lang="en-US" dirty="0">
-              <a:latin typeface="Segoe UI" panose="020B0502040204020203" pitchFamily="34" charset="0"/>
-              <a:cs typeface="Segoe UI" panose="020B0502040204020203" pitchFamily="34" charset="0"/>
-            </a:endParaRPr>
+              <a:t>[Domain_8]</a:t>
+            </a:r>
           </a:p>
         </p:txBody>
       </p:sp>
@@ -18331,7 +18455,7 @@
         </p:nvSpPr>
         <p:spPr>
           <a:xfrm>
-            <a:off x="470914" y="3067221"/>
+            <a:off x="667559" y="3097636"/>
             <a:ext cx="1047750" cy="80767"/>
           </a:xfrm>
           <a:prstGeom prst="rect">
@@ -18385,7 +18509,7 @@
         </p:nvSpPr>
         <p:spPr>
           <a:xfrm>
-            <a:off x="1531393" y="3068361"/>
+            <a:off x="1728038" y="3098776"/>
             <a:ext cx="1047750" cy="80767"/>
           </a:xfrm>
           <a:prstGeom prst="rect">
@@ -18443,7 +18567,7 @@
         </p:nvSpPr>
         <p:spPr>
           <a:xfrm>
-            <a:off x="2590531" y="3068458"/>
+            <a:off x="2787176" y="3098873"/>
             <a:ext cx="1047750" cy="80767"/>
           </a:xfrm>
           <a:prstGeom prst="rect">
@@ -18499,7 +18623,7 @@
         </p:nvCxnSpPr>
         <p:spPr>
           <a:xfrm>
-            <a:off x="509900" y="3016509"/>
+            <a:off x="706545" y="3046924"/>
             <a:ext cx="0" cy="162629"/>
           </a:xfrm>
           <a:prstGeom prst="line">
@@ -18541,13 +18665,13 @@
           <p:nvPr>
             <p:extLst>
               <p:ext uri="{D42A27DB-BD31-4B8C-83A1-F6EECF244321}">
-                <p14:modId xmlns:p14="http://schemas.microsoft.com/office/powerpoint/2010/main" val="4147733428"/>
+                <p14:modId xmlns:p14="http://schemas.microsoft.com/office/powerpoint/2010/main" val="4113282213"/>
               </p:ext>
             </p:extLst>
           </p:nvPr>
         </p:nvGraphicFramePr>
         <p:xfrm>
-          <a:off x="470913" y="2807585"/>
+          <a:off x="667558" y="2838000"/>
           <a:ext cx="3167368" cy="213360"/>
         </p:xfrm>
         <a:graphic>
@@ -19994,6 +20118,15 @@
 </file>
 
 <file path=customXml/item2.xml><?xml version="1.0" encoding="utf-8"?>
+<?mso-contentType ?>
+<FormTemplates xmlns="http://schemas.microsoft.com/sharepoint/v3/contenttype/forms">
+  <Display>DocumentLibraryForm</Display>
+  <Edit>DocumentLibraryForm</Edit>
+  <New>DocumentLibraryForm</New>
+</FormTemplates>
+</file>
+
+<file path=customXml/item3.xml><?xml version="1.0" encoding="utf-8"?>
 <p:properties xmlns:p="http://schemas.microsoft.com/office/2006/metadata/properties" xmlns:xsi="http://www.w3.org/2001/XMLSchema-instance" xmlns:pc="http://schemas.microsoft.com/office/infopath/2007/PartnerControls">
   <documentManagement>
     <Lead_x0020_Signoff xmlns="cea7764e-6bf9-427d-be15-e74097e0a61c">false</Lead_x0020_Signoff>
@@ -20010,15 +20143,6 @@
     <Mail_x0020_Sent xmlns="cea7764e-6bf9-427d-be15-e74097e0a61c">false</Mail_x0020_Sent>
   </documentManagement>
 </p:properties>
-</file>
-
-<file path=customXml/item3.xml><?xml version="1.0" encoding="utf-8"?>
-<?mso-contentType ?>
-<FormTemplates xmlns="http://schemas.microsoft.com/sharepoint/v3/contenttype/forms">
-  <Display>DocumentLibraryForm</Display>
-  <Edit>DocumentLibraryForm</Edit>
-  <New>DocumentLibraryForm</New>
-</FormTemplates>
 </file>
 
 <file path=customXml/itemProps1.xml><?xml version="1.0" encoding="utf-8"?>
@@ -20042,6 +20166,14 @@
 </file>
 
 <file path=customXml/itemProps2.xml><?xml version="1.0" encoding="utf-8"?>
+<ds:datastoreItem xmlns:ds="http://schemas.openxmlformats.org/officeDocument/2006/customXml" ds:itemID="{20BF7F7D-64C2-49DA-99D8-03059C19A68C}">
+  <ds:schemaRefs>
+    <ds:schemaRef ds:uri="http://schemas.microsoft.com/sharepoint/v3/contenttype/forms"/>
+  </ds:schemaRefs>
+</ds:datastoreItem>
+</file>
+
+<file path=customXml/itemProps3.xml><?xml version="1.0" encoding="utf-8"?>
 <ds:datastoreItem xmlns:ds="http://schemas.openxmlformats.org/officeDocument/2006/customXml" ds:itemID="{BCB9193D-5D51-49BB-AAA1-3AC2D0225BCF}">
   <ds:schemaRefs>
     <ds:schemaRef ds:uri="http://schemas.microsoft.com/office/2006/metadata/properties"/>
@@ -20052,14 +20184,6 @@
 </ds:datastoreItem>
 </file>
 
-<file path=customXml/itemProps3.xml><?xml version="1.0" encoding="utf-8"?>
-<ds:datastoreItem xmlns:ds="http://schemas.openxmlformats.org/officeDocument/2006/customXml" ds:itemID="{20BF7F7D-64C2-49DA-99D8-03059C19A68C}">
-  <ds:schemaRefs>
-    <ds:schemaRef ds:uri="http://schemas.microsoft.com/sharepoint/v3/contenttype/forms"/>
-  </ds:schemaRefs>
-</ds:datastoreItem>
-</file>
-
 <file path=docMetadata/LabelInfo.xml><?xml version="1.0" encoding="utf-8"?>
 <clbl:labelList xmlns:clbl="http://schemas.microsoft.com/office/2020/mipLabelMetadata">
   <clbl:label id="{f42aa342-8706-4288-bd11-ebb85995028c}" enabled="1" method="Privileged" siteId="{72f988bf-86f1-41af-91ab-2d7cd011db47}" removed="0"/>
